--- a/resources/notes/genomic-data-visualization-Lesson_9.pptx
+++ b/resources/notes/genomic-data-visualization-Lesson_9.pptx
@@ -5,7 +5,7 @@
     <p:sldMasterId id="2147483648" r:id="rId1"/>
   </p:sldMasterIdLst>
   <p:notesMasterIdLst>
-    <p:notesMasterId r:id="rId20"/>
+    <p:notesMasterId r:id="rId21"/>
   </p:notesMasterIdLst>
   <p:sldIdLst>
     <p:sldId id="256" r:id="rId2"/>
@@ -17,15 +17,16 @@
     <p:sldId id="269" r:id="rId8"/>
     <p:sldId id="272" r:id="rId9"/>
     <p:sldId id="273" r:id="rId10"/>
-    <p:sldId id="257" r:id="rId11"/>
-    <p:sldId id="258" r:id="rId12"/>
-    <p:sldId id="259" r:id="rId13"/>
-    <p:sldId id="262" r:id="rId14"/>
-    <p:sldId id="261" r:id="rId15"/>
-    <p:sldId id="260" r:id="rId16"/>
-    <p:sldId id="274" r:id="rId17"/>
-    <p:sldId id="275" r:id="rId18"/>
-    <p:sldId id="277" r:id="rId19"/>
+    <p:sldId id="278" r:id="rId11"/>
+    <p:sldId id="257" r:id="rId12"/>
+    <p:sldId id="258" r:id="rId13"/>
+    <p:sldId id="259" r:id="rId14"/>
+    <p:sldId id="262" r:id="rId15"/>
+    <p:sldId id="261" r:id="rId16"/>
+    <p:sldId id="260" r:id="rId17"/>
+    <p:sldId id="274" r:id="rId18"/>
+    <p:sldId id="275" r:id="rId19"/>
+    <p:sldId id="279" r:id="rId20"/>
   </p:sldIdLst>
   <p:sldSz cx="12192000" cy="6858000"/>
   <p:notesSz cx="6858000" cy="9144000"/>
@@ -712,7 +713,7 @@
           <a:p>
             <a:fld id="{A38D8F29-E7F8-6A4E-9320-EC45CAB1687B}" type="datetimeFigureOut">
               <a:rPr lang="en-US" smtClean="0"/>
-              <a:t>2/11/23</a:t>
+              <a:t>2/12/23</a:t>
             </a:fld>
             <a:endParaRPr lang="en-US"/>
           </a:p>
@@ -910,7 +911,7 @@
           <a:p>
             <a:fld id="{A38D8F29-E7F8-6A4E-9320-EC45CAB1687B}" type="datetimeFigureOut">
               <a:rPr lang="en-US" smtClean="0"/>
-              <a:t>2/11/23</a:t>
+              <a:t>2/12/23</a:t>
             </a:fld>
             <a:endParaRPr lang="en-US"/>
           </a:p>
@@ -1118,7 +1119,7 @@
           <a:p>
             <a:fld id="{A38D8F29-E7F8-6A4E-9320-EC45CAB1687B}" type="datetimeFigureOut">
               <a:rPr lang="en-US" smtClean="0"/>
-              <a:t>2/11/23</a:t>
+              <a:t>2/12/23</a:t>
             </a:fld>
             <a:endParaRPr lang="en-US"/>
           </a:p>
@@ -1316,7 +1317,7 @@
           <a:p>
             <a:fld id="{A38D8F29-E7F8-6A4E-9320-EC45CAB1687B}" type="datetimeFigureOut">
               <a:rPr lang="en-US" smtClean="0"/>
-              <a:t>2/11/23</a:t>
+              <a:t>2/12/23</a:t>
             </a:fld>
             <a:endParaRPr lang="en-US"/>
           </a:p>
@@ -1591,7 +1592,7 @@
           <a:p>
             <a:fld id="{A38D8F29-E7F8-6A4E-9320-EC45CAB1687B}" type="datetimeFigureOut">
               <a:rPr lang="en-US" smtClean="0"/>
-              <a:t>2/11/23</a:t>
+              <a:t>2/12/23</a:t>
             </a:fld>
             <a:endParaRPr lang="en-US"/>
           </a:p>
@@ -1856,7 +1857,7 @@
           <a:p>
             <a:fld id="{A38D8F29-E7F8-6A4E-9320-EC45CAB1687B}" type="datetimeFigureOut">
               <a:rPr lang="en-US" smtClean="0"/>
-              <a:t>2/11/23</a:t>
+              <a:t>2/12/23</a:t>
             </a:fld>
             <a:endParaRPr lang="en-US"/>
           </a:p>
@@ -2268,7 +2269,7 @@
           <a:p>
             <a:fld id="{A38D8F29-E7F8-6A4E-9320-EC45CAB1687B}" type="datetimeFigureOut">
               <a:rPr lang="en-US" smtClean="0"/>
-              <a:t>2/11/23</a:t>
+              <a:t>2/12/23</a:t>
             </a:fld>
             <a:endParaRPr lang="en-US"/>
           </a:p>
@@ -2409,7 +2410,7 @@
           <a:p>
             <a:fld id="{A38D8F29-E7F8-6A4E-9320-EC45CAB1687B}" type="datetimeFigureOut">
               <a:rPr lang="en-US" smtClean="0"/>
-              <a:t>2/11/23</a:t>
+              <a:t>2/12/23</a:t>
             </a:fld>
             <a:endParaRPr lang="en-US"/>
           </a:p>
@@ -2522,7 +2523,7 @@
           <a:p>
             <a:fld id="{A38D8F29-E7F8-6A4E-9320-EC45CAB1687B}" type="datetimeFigureOut">
               <a:rPr lang="en-US" smtClean="0"/>
-              <a:t>2/11/23</a:t>
+              <a:t>2/12/23</a:t>
             </a:fld>
             <a:endParaRPr lang="en-US"/>
           </a:p>
@@ -2833,7 +2834,7 @@
           <a:p>
             <a:fld id="{A38D8F29-E7F8-6A4E-9320-EC45CAB1687B}" type="datetimeFigureOut">
               <a:rPr lang="en-US" smtClean="0"/>
-              <a:t>2/11/23</a:t>
+              <a:t>2/12/23</a:t>
             </a:fld>
             <a:endParaRPr lang="en-US"/>
           </a:p>
@@ -3121,7 +3122,7 @@
           <a:p>
             <a:fld id="{A38D8F29-E7F8-6A4E-9320-EC45CAB1687B}" type="datetimeFigureOut">
               <a:rPr lang="en-US" smtClean="0"/>
-              <a:t>2/11/23</a:t>
+              <a:t>2/12/23</a:t>
             </a:fld>
             <a:endParaRPr lang="en-US"/>
           </a:p>
@@ -3362,7 +3363,7 @@
           <a:p>
             <a:fld id="{A38D8F29-E7F8-6A4E-9320-EC45CAB1687B}" type="datetimeFigureOut">
               <a:rPr lang="en-US" smtClean="0"/>
-              <a:t>2/11/23</a:t>
+              <a:t>2/12/23</a:t>
             </a:fld>
             <a:endParaRPr lang="en-US"/>
           </a:p>
@@ -3878,6 +3879,92 @@
           <p:cNvPr id="2" name="Title 1">
             <a:extLst>
               <a:ext uri="{FF2B5EF4-FFF2-40B4-BE49-F238E27FC236}">
+                <a16:creationId xmlns:a16="http://schemas.microsoft.com/office/drawing/2014/main" id="{C895C3AF-110C-5253-D62F-B0FE9835319F}"/>
+              </a:ext>
+            </a:extLst>
+          </p:cNvPr>
+          <p:cNvSpPr>
+            <a:spLocks noGrp="1"/>
+          </p:cNvSpPr>
+          <p:nvPr>
+            <p:ph type="title"/>
+          </p:nvPr>
+        </p:nvSpPr>
+        <p:spPr/>
+        <p:txBody>
+          <a:bodyPr/>
+          <a:lstStyle/>
+          <a:p>
+            <a:r>
+              <a:rPr lang="en-US" dirty="0"/>
+              <a:t>From last class</a:t>
+            </a:r>
+          </a:p>
+        </p:txBody>
+      </p:sp>
+      <p:sp>
+        <p:nvSpPr>
+          <p:cNvPr id="3" name="Content Placeholder 2">
+            <a:extLst>
+              <a:ext uri="{FF2B5EF4-FFF2-40B4-BE49-F238E27FC236}">
+                <a16:creationId xmlns:a16="http://schemas.microsoft.com/office/drawing/2014/main" id="{2E1D4A27-F051-0990-F33C-F92D49B92945}"/>
+              </a:ext>
+            </a:extLst>
+          </p:cNvPr>
+          <p:cNvSpPr>
+            <a:spLocks noGrp="1"/>
+          </p:cNvSpPr>
+          <p:nvPr>
+            <p:ph idx="1"/>
+          </p:nvPr>
+        </p:nvSpPr>
+        <p:spPr/>
+        <p:txBody>
+          <a:bodyPr/>
+          <a:lstStyle/>
+          <a:p>
+            <a:pPr marL="0" indent="0">
+              <a:buNone/>
+            </a:pPr>
+            <a:endParaRPr lang="en-US" dirty="0"/>
+          </a:p>
+        </p:txBody>
+      </p:sp>
+    </p:spTree>
+    <p:extLst>
+      <p:ext uri="{BB962C8B-B14F-4D97-AF65-F5344CB8AC3E}">
+        <p14:creationId xmlns:p14="http://schemas.microsoft.com/office/powerpoint/2010/main" val="1792020216"/>
+      </p:ext>
+    </p:extLst>
+  </p:cSld>
+  <p:clrMapOvr>
+    <a:masterClrMapping/>
+  </p:clrMapOvr>
+</p:sld>
+</file>
+
+<file path=ppt/slides/slide11.xml><?xml version="1.0" encoding="utf-8"?>
+<p:sld xmlns:a="http://schemas.openxmlformats.org/drawingml/2006/main" xmlns:r="http://schemas.openxmlformats.org/officeDocument/2006/relationships" xmlns:p="http://schemas.openxmlformats.org/presentationml/2006/main">
+  <p:cSld>
+    <p:spTree>
+      <p:nvGrpSpPr>
+        <p:cNvPr id="1" name=""/>
+        <p:cNvGrpSpPr/>
+        <p:nvPr/>
+      </p:nvGrpSpPr>
+      <p:grpSpPr>
+        <a:xfrm>
+          <a:off x="0" y="0"/>
+          <a:ext cx="0" cy="0"/>
+          <a:chOff x="0" y="0"/>
+          <a:chExt cx="0" cy="0"/>
+        </a:xfrm>
+      </p:grpSpPr>
+      <p:sp>
+        <p:nvSpPr>
+          <p:cNvPr id="2" name="Title 1">
+            <a:extLst>
+              <a:ext uri="{FF2B5EF4-FFF2-40B4-BE49-F238E27FC236}">
                 <a16:creationId xmlns:a16="http://schemas.microsoft.com/office/drawing/2014/main" id="{35931E14-62D4-017E-F70A-BDD6CEC85606}"/>
               </a:ext>
             </a:extLst>
@@ -3961,7 +4048,7 @@
 </p:sld>
 </file>
 
-<file path=ppt/slides/slide11.xml><?xml version="1.0" encoding="utf-8"?>
+<file path=ppt/slides/slide12.xml><?xml version="1.0" encoding="utf-8"?>
 <p:sld xmlns:a="http://schemas.openxmlformats.org/drawingml/2006/main" xmlns:r="http://schemas.openxmlformats.org/officeDocument/2006/relationships" xmlns:p="http://schemas.openxmlformats.org/presentationml/2006/main">
   <p:cSld>
     <p:spTree>
@@ -4066,7 +4153,7 @@
 </p:sld>
 </file>
 
-<file path=ppt/slides/slide12.xml><?xml version="1.0" encoding="utf-8"?>
+<file path=ppt/slides/slide13.xml><?xml version="1.0" encoding="utf-8"?>
 <p:sld xmlns:a="http://schemas.openxmlformats.org/drawingml/2006/main" xmlns:r="http://schemas.openxmlformats.org/officeDocument/2006/relationships" xmlns:p="http://schemas.openxmlformats.org/presentationml/2006/main">
   <p:cSld>
     <p:spTree>
@@ -4173,7 +4260,7 @@
 </p:sld>
 </file>
 
-<file path=ppt/slides/slide13.xml><?xml version="1.0" encoding="utf-8"?>
+<file path=ppt/slides/slide14.xml><?xml version="1.0" encoding="utf-8"?>
 <p:sld xmlns:a="http://schemas.openxmlformats.org/drawingml/2006/main" xmlns:r="http://schemas.openxmlformats.org/officeDocument/2006/relationships" xmlns:p="http://schemas.openxmlformats.org/presentationml/2006/main">
   <p:cSld>
     <p:spTree>
@@ -4327,7 +4414,7 @@
 </p:sld>
 </file>
 
-<file path=ppt/slides/slide14.xml><?xml version="1.0" encoding="utf-8"?>
+<file path=ppt/slides/slide15.xml><?xml version="1.0" encoding="utf-8"?>
 <p:sld xmlns:a="http://schemas.openxmlformats.org/drawingml/2006/main" xmlns:r="http://schemas.openxmlformats.org/officeDocument/2006/relationships" xmlns:p="http://schemas.openxmlformats.org/presentationml/2006/main">
   <p:cSld>
     <p:spTree>
@@ -4432,7 +4519,7 @@
 </p:sld>
 </file>
 
-<file path=ppt/slides/slide15.xml><?xml version="1.0" encoding="utf-8"?>
+<file path=ppt/slides/slide16.xml><?xml version="1.0" encoding="utf-8"?>
 <p:sld xmlns:a="http://schemas.openxmlformats.org/drawingml/2006/main" xmlns:r="http://schemas.openxmlformats.org/officeDocument/2006/relationships" xmlns:p="http://schemas.openxmlformats.org/presentationml/2006/main">
   <p:cSld>
     <p:spTree>
@@ -4535,92 +4622,6 @@
 </p:sld>
 </file>
 
-<file path=ppt/slides/slide16.xml><?xml version="1.0" encoding="utf-8"?>
-<p:sld xmlns:a="http://schemas.openxmlformats.org/drawingml/2006/main" xmlns:r="http://schemas.openxmlformats.org/officeDocument/2006/relationships" xmlns:p="http://schemas.openxmlformats.org/presentationml/2006/main">
-  <p:cSld>
-    <p:spTree>
-      <p:nvGrpSpPr>
-        <p:cNvPr id="1" name=""/>
-        <p:cNvGrpSpPr/>
-        <p:nvPr/>
-      </p:nvGrpSpPr>
-      <p:grpSpPr>
-        <a:xfrm>
-          <a:off x="0" y="0"/>
-          <a:ext cx="0" cy="0"/>
-          <a:chOff x="0" y="0"/>
-          <a:chExt cx="0" cy="0"/>
-        </a:xfrm>
-      </p:grpSpPr>
-      <p:sp>
-        <p:nvSpPr>
-          <p:cNvPr id="2" name="Title 1">
-            <a:extLst>
-              <a:ext uri="{FF2B5EF4-FFF2-40B4-BE49-F238E27FC236}">
-                <a16:creationId xmlns:a16="http://schemas.microsoft.com/office/drawing/2014/main" id="{40438B4C-FBAA-8E35-D73C-4A96CADC5935}"/>
-              </a:ext>
-            </a:extLst>
-          </p:cNvPr>
-          <p:cNvSpPr>
-            <a:spLocks noGrp="1"/>
-          </p:cNvSpPr>
-          <p:nvPr>
-            <p:ph type="title"/>
-          </p:nvPr>
-        </p:nvSpPr>
-        <p:spPr/>
-        <p:txBody>
-          <a:bodyPr/>
-          <a:lstStyle/>
-          <a:p>
-            <a:r>
-              <a:rPr lang="en-US" dirty="0"/>
-              <a:t>Interpreting cell-types</a:t>
-            </a:r>
-          </a:p>
-        </p:txBody>
-      </p:sp>
-      <p:sp>
-        <p:nvSpPr>
-          <p:cNvPr id="3" name="Content Placeholder 2">
-            <a:extLst>
-              <a:ext uri="{FF2B5EF4-FFF2-40B4-BE49-F238E27FC236}">
-                <a16:creationId xmlns:a16="http://schemas.microsoft.com/office/drawing/2014/main" id="{E3196BBE-EF98-966E-577A-169D6D963395}"/>
-              </a:ext>
-            </a:extLst>
-          </p:cNvPr>
-          <p:cNvSpPr>
-            <a:spLocks noGrp="1"/>
-          </p:cNvSpPr>
-          <p:nvPr>
-            <p:ph idx="1"/>
-          </p:nvPr>
-        </p:nvSpPr>
-        <p:spPr/>
-        <p:txBody>
-          <a:bodyPr/>
-          <a:lstStyle/>
-          <a:p>
-            <a:pPr marL="0" indent="0">
-              <a:buNone/>
-            </a:pPr>
-            <a:endParaRPr lang="en-US" dirty="0"/>
-          </a:p>
-        </p:txBody>
-      </p:sp>
-    </p:spTree>
-    <p:extLst>
-      <p:ext uri="{BB962C8B-B14F-4D97-AF65-F5344CB8AC3E}">
-        <p14:creationId xmlns:p14="http://schemas.microsoft.com/office/powerpoint/2010/main" val="1897987259"/>
-      </p:ext>
-    </p:extLst>
-  </p:cSld>
-  <p:clrMapOvr>
-    <a:masterClrMapping/>
-  </p:clrMapOvr>
-</p:sld>
-</file>
-
 <file path=ppt/slides/slide17.xml><?xml version="1.0" encoding="utf-8"?>
 <p:sld xmlns:a="http://schemas.openxmlformats.org/drawingml/2006/main" xmlns:r="http://schemas.openxmlformats.org/officeDocument/2006/relationships" xmlns:p="http://schemas.openxmlformats.org/presentationml/2006/main">
   <p:cSld>
@@ -4643,6 +4644,92 @@
           <p:cNvPr id="2" name="Title 1">
             <a:extLst>
               <a:ext uri="{FF2B5EF4-FFF2-40B4-BE49-F238E27FC236}">
+                <a16:creationId xmlns:a16="http://schemas.microsoft.com/office/drawing/2014/main" id="{40438B4C-FBAA-8E35-D73C-4A96CADC5935}"/>
+              </a:ext>
+            </a:extLst>
+          </p:cNvPr>
+          <p:cNvSpPr>
+            <a:spLocks noGrp="1"/>
+          </p:cNvSpPr>
+          <p:nvPr>
+            <p:ph type="title"/>
+          </p:nvPr>
+        </p:nvSpPr>
+        <p:spPr/>
+        <p:txBody>
+          <a:bodyPr/>
+          <a:lstStyle/>
+          <a:p>
+            <a:r>
+              <a:rPr lang="en-US" dirty="0"/>
+              <a:t>Interpreting cell-types</a:t>
+            </a:r>
+          </a:p>
+        </p:txBody>
+      </p:sp>
+      <p:sp>
+        <p:nvSpPr>
+          <p:cNvPr id="3" name="Content Placeholder 2">
+            <a:extLst>
+              <a:ext uri="{FF2B5EF4-FFF2-40B4-BE49-F238E27FC236}">
+                <a16:creationId xmlns:a16="http://schemas.microsoft.com/office/drawing/2014/main" id="{E3196BBE-EF98-966E-577A-169D6D963395}"/>
+              </a:ext>
+            </a:extLst>
+          </p:cNvPr>
+          <p:cNvSpPr>
+            <a:spLocks noGrp="1"/>
+          </p:cNvSpPr>
+          <p:nvPr>
+            <p:ph idx="1"/>
+          </p:nvPr>
+        </p:nvSpPr>
+        <p:spPr/>
+        <p:txBody>
+          <a:bodyPr/>
+          <a:lstStyle/>
+          <a:p>
+            <a:pPr marL="0" indent="0">
+              <a:buNone/>
+            </a:pPr>
+            <a:endParaRPr lang="en-US" dirty="0"/>
+          </a:p>
+        </p:txBody>
+      </p:sp>
+    </p:spTree>
+    <p:extLst>
+      <p:ext uri="{BB962C8B-B14F-4D97-AF65-F5344CB8AC3E}">
+        <p14:creationId xmlns:p14="http://schemas.microsoft.com/office/powerpoint/2010/main" val="1897987259"/>
+      </p:ext>
+    </p:extLst>
+  </p:cSld>
+  <p:clrMapOvr>
+    <a:masterClrMapping/>
+  </p:clrMapOvr>
+</p:sld>
+</file>
+
+<file path=ppt/slides/slide18.xml><?xml version="1.0" encoding="utf-8"?>
+<p:sld xmlns:a="http://schemas.openxmlformats.org/drawingml/2006/main" xmlns:r="http://schemas.openxmlformats.org/officeDocument/2006/relationships" xmlns:p="http://schemas.openxmlformats.org/presentationml/2006/main">
+  <p:cSld>
+    <p:spTree>
+      <p:nvGrpSpPr>
+        <p:cNvPr id="1" name=""/>
+        <p:cNvGrpSpPr/>
+        <p:nvPr/>
+      </p:nvGrpSpPr>
+      <p:grpSpPr>
+        <a:xfrm>
+          <a:off x="0" y="0"/>
+          <a:ext cx="0" cy="0"/>
+          <a:chOff x="0" y="0"/>
+          <a:chExt cx="0" cy="0"/>
+        </a:xfrm>
+      </p:grpSpPr>
+      <p:sp>
+        <p:nvSpPr>
+          <p:cNvPr id="2" name="Title 1">
+            <a:extLst>
+              <a:ext uri="{FF2B5EF4-FFF2-40B4-BE49-F238E27FC236}">
                 <a16:creationId xmlns:a16="http://schemas.microsoft.com/office/drawing/2014/main" id="{DF5D6A6F-2D9E-3345-8417-8F1D715788DF}"/>
               </a:ext>
             </a:extLst>
@@ -4656,12 +4743,22 @@
         </p:nvSpPr>
         <p:spPr/>
         <p:txBody>
-          <a:bodyPr/>
-          <a:lstStyle/>
-          <a:p>
-            <a:r>
-              <a:rPr lang="en-US" dirty="0"/>
-              <a:t>Human Protein Atlas</a:t>
+          <a:bodyPr>
+            <a:normAutofit/>
+          </a:bodyPr>
+          <a:lstStyle/>
+          <a:p>
+            <a:r>
+              <a:rPr lang="en-US" sz="3200" dirty="0"/>
+              <a:t>Human Protein Atlas: https://</a:t>
+            </a:r>
+            <a:r>
+              <a:rPr lang="en-US" sz="3200" dirty="0" err="1"/>
+              <a:t>www.proteinatlas.org</a:t>
+            </a:r>
+            <a:r>
+              <a:rPr lang="en-US" sz="3200" dirty="0"/>
+              <a:t>/</a:t>
             </a:r>
           </a:p>
         </p:txBody>
@@ -4709,7 +4806,7 @@
 </p:sld>
 </file>
 
-<file path=ppt/slides/slide18.xml><?xml version="1.0" encoding="utf-8"?>
+<file path=ppt/slides/slide19.xml><?xml version="1.0" encoding="utf-8"?>
 <p:sld xmlns:a="http://schemas.openxmlformats.org/drawingml/2006/main" xmlns:r="http://schemas.openxmlformats.org/officeDocument/2006/relationships" xmlns:p="http://schemas.openxmlformats.org/presentationml/2006/main">
   <p:cSld>
     <p:spTree>
@@ -4751,7 +4848,7 @@
           <a:p>
             <a:r>
               <a:rPr lang="en-US" sz="3200" dirty="0"/>
-              <a:t>HW5 due Friday midnight: Create a multi-panel data visualization to interpret a cell cluster in your data</a:t>
+              <a:t>HW5 (due Friday midnight): Create a multi-panel data visualization to interpret a cell cluster in your data</a:t>
             </a:r>
           </a:p>
         </p:txBody>
@@ -4934,7 +5031,77 @@
                   <a:srgbClr val="404040"/>
                 </a:solidFill>
               </a:rPr>
-              <a:t>A panel visualizing the differentially upregulated genes for your cluster of interest</a:t>
+              <a:t>A panel visualizing multiple differentially expressed genes for your cluster of interest</a:t>
+            </a:r>
+          </a:p>
+          <a:p>
+            <a:pPr marL="342900" indent="-342900">
+              <a:lnSpc>
+                <a:spcPct val="100000"/>
+              </a:lnSpc>
+              <a:spcBef>
+                <a:spcPts val="0"/>
+              </a:spcBef>
+              <a:buAutoNum type="arabicPeriod"/>
+            </a:pPr>
+            <a:r>
+              <a:rPr lang="en-US" sz="1800" dirty="0">
+                <a:solidFill>
+                  <a:srgbClr val="404040"/>
+                </a:solidFill>
+              </a:rPr>
+              <a:t>A panel visualizing one of these genes in reduced dimensional space (PCA, </a:t>
+            </a:r>
+            <a:r>
+              <a:rPr lang="en-US" sz="1800" dirty="0" err="1">
+                <a:solidFill>
+                  <a:srgbClr val="404040"/>
+                </a:solidFill>
+              </a:rPr>
+              <a:t>tSNE</a:t>
+            </a:r>
+            <a:r>
+              <a:rPr lang="en-US" sz="1800" dirty="0">
+                <a:solidFill>
+                  <a:srgbClr val="404040"/>
+                </a:solidFill>
+              </a:rPr>
+              <a:t>, </a:t>
+            </a:r>
+            <a:r>
+              <a:rPr lang="en-US" sz="1800" dirty="0" err="1">
+                <a:solidFill>
+                  <a:srgbClr val="404040"/>
+                </a:solidFill>
+              </a:rPr>
+              <a:t>etc</a:t>
+            </a:r>
+            <a:r>
+              <a:rPr lang="en-US" sz="1800" dirty="0">
+                <a:solidFill>
+                  <a:srgbClr val="404040"/>
+                </a:solidFill>
+              </a:rPr>
+              <a:t>)</a:t>
+            </a:r>
+          </a:p>
+          <a:p>
+            <a:pPr marL="342900" indent="-342900">
+              <a:lnSpc>
+                <a:spcPct val="100000"/>
+              </a:lnSpc>
+              <a:spcBef>
+                <a:spcPts val="0"/>
+              </a:spcBef>
+              <a:buAutoNum type="arabicPeriod"/>
+            </a:pPr>
+            <a:r>
+              <a:rPr lang="en-US" sz="1800" dirty="0">
+                <a:solidFill>
+                  <a:srgbClr val="404040"/>
+                </a:solidFill>
+              </a:rPr>
+              <a:t>A panel visualizing one of these genes in space</a:t>
             </a:r>
           </a:p>
           <a:p>
@@ -4969,7 +5136,7 @@
                   <a:srgbClr val="404040"/>
                 </a:solidFill>
               </a:rPr>
-              <a:t>Your description should reference papers and content that allowed you to interpret your cell cluster as a particular cell-type. You must provide attribution to external resources referenced. Links are fine; formatted references are not required. </a:t>
+              <a:t>Your description should reference papers and content that allowed you to interpret your cell cluster as a particular cell-type. You must provide attribution to external resources referenced. Links are fine; formatted references are not required. (You do not need to describe the data visualization as you have been doing)</a:t>
             </a:r>
           </a:p>
           <a:p>
@@ -5004,41 +5171,6 @@
                   <a:srgbClr val="404040"/>
                 </a:solidFill>
               </a:rPr>
-              <a:t>(You do not need to describe the data visualization as you have been doing)</a:t>
-            </a:r>
-          </a:p>
-          <a:p>
-            <a:pPr marL="0" indent="0">
-              <a:lnSpc>
-                <a:spcPct val="100000"/>
-              </a:lnSpc>
-              <a:spcBef>
-                <a:spcPts val="0"/>
-              </a:spcBef>
-              <a:buNone/>
-            </a:pPr>
-            <a:endParaRPr lang="en-US" sz="1800" dirty="0">
-              <a:solidFill>
-                <a:srgbClr val="404040"/>
-              </a:solidFill>
-            </a:endParaRPr>
-          </a:p>
-          <a:p>
-            <a:pPr marL="0" indent="0">
-              <a:lnSpc>
-                <a:spcPct val="100000"/>
-              </a:lnSpc>
-              <a:spcBef>
-                <a:spcPts val="0"/>
-              </a:spcBef>
-              <a:buNone/>
-            </a:pPr>
-            <a:r>
-              <a:rPr lang="en-US" sz="1800" dirty="0">
-                <a:solidFill>
-                  <a:srgbClr val="404040"/>
-                </a:solidFill>
-              </a:rPr>
               <a:t>You must include the entire code you used to generate the figure so that it can be reproduced. </a:t>
             </a:r>
           </a:p>
@@ -5047,7 +5179,7 @@
     </p:spTree>
     <p:extLst>
       <p:ext uri="{BB962C8B-B14F-4D97-AF65-F5344CB8AC3E}">
-        <p14:creationId xmlns:p14="http://schemas.microsoft.com/office/powerpoint/2010/main" val="3486928114"/>
+        <p14:creationId xmlns:p14="http://schemas.microsoft.com/office/powerpoint/2010/main" val="4184350283"/>
       </p:ext>
     </p:extLst>
   </p:cSld>
